--- a/Presentacion.pptx
+++ b/Presentacion.pptx
@@ -256,7 +256,7 @@
             <a:fld id="{7A847CFC-816F-41D0-AAC0-9BF4FEBC753E}" type="datetimeFigureOut">
               <a:rPr lang="es-ES" smtClean="0"/>
               <a:pPr/>
-              <a:t>15/10/2013</a:t>
+              <a:t>17/10/2013</a:t>
             </a:fld>
             <a:endParaRPr lang="es-ES"/>
           </a:p>
@@ -571,7 +571,7 @@
             <a:fld id="{7A847CFC-816F-41D0-AAC0-9BF4FEBC753E}" type="datetimeFigureOut">
               <a:rPr lang="es-ES" smtClean="0"/>
               <a:pPr/>
-              <a:t>15/10/2013</a:t>
+              <a:t>17/10/2013</a:t>
             </a:fld>
             <a:endParaRPr lang="es-ES"/>
           </a:p>
@@ -758,7 +758,7 @@
             <a:fld id="{7A847CFC-816F-41D0-AAC0-9BF4FEBC753E}" type="datetimeFigureOut">
               <a:rPr lang="es-ES" smtClean="0"/>
               <a:pPr/>
-              <a:t>15/10/2013</a:t>
+              <a:t>17/10/2013</a:t>
             </a:fld>
             <a:endParaRPr lang="es-ES"/>
           </a:p>
@@ -935,7 +935,7 @@
             <a:fld id="{7A847CFC-816F-41D0-AAC0-9BF4FEBC753E}" type="datetimeFigureOut">
               <a:rPr lang="es-ES" smtClean="0"/>
               <a:pPr/>
-              <a:t>15/10/2013</a:t>
+              <a:t>17/10/2013</a:t>
             </a:fld>
             <a:endParaRPr lang="es-ES"/>
           </a:p>
@@ -1205,7 +1205,7 @@
             <a:fld id="{7A847CFC-816F-41D0-AAC0-9BF4FEBC753E}" type="datetimeFigureOut">
               <a:rPr lang="es-ES" smtClean="0"/>
               <a:pPr/>
-              <a:t>15/10/2013</a:t>
+              <a:t>17/10/2013</a:t>
             </a:fld>
             <a:endParaRPr lang="es-ES"/>
           </a:p>
@@ -1675,7 +1675,7 @@
             <a:fld id="{7A847CFC-816F-41D0-AAC0-9BF4FEBC753E}" type="datetimeFigureOut">
               <a:rPr lang="es-ES" smtClean="0"/>
               <a:pPr/>
-              <a:t>15/10/2013</a:t>
+              <a:t>17/10/2013</a:t>
             </a:fld>
             <a:endParaRPr lang="es-ES"/>
           </a:p>
@@ -2166,7 +2166,7 @@
             <a:fld id="{7A847CFC-816F-41D0-AAC0-9BF4FEBC753E}" type="datetimeFigureOut">
               <a:rPr lang="es-ES" smtClean="0"/>
               <a:pPr/>
-              <a:t>15/10/2013</a:t>
+              <a:t>17/10/2013</a:t>
             </a:fld>
             <a:endParaRPr lang="es-ES"/>
           </a:p>
@@ -2294,7 +2294,7 @@
             <a:fld id="{7A847CFC-816F-41D0-AAC0-9BF4FEBC753E}" type="datetimeFigureOut">
               <a:rPr lang="es-ES" smtClean="0"/>
               <a:pPr/>
-              <a:t>15/10/2013</a:t>
+              <a:t>17/10/2013</a:t>
             </a:fld>
             <a:endParaRPr lang="es-ES"/>
           </a:p>
@@ -2440,7 +2440,7 @@
             <a:fld id="{7A847CFC-816F-41D0-AAC0-9BF4FEBC753E}" type="datetimeFigureOut">
               <a:rPr lang="es-ES" smtClean="0"/>
               <a:pPr/>
-              <a:t>15/10/2013</a:t>
+              <a:t>17/10/2013</a:t>
             </a:fld>
             <a:endParaRPr lang="es-ES"/>
           </a:p>
@@ -2764,7 +2764,7 @@
             <a:fld id="{7A847CFC-816F-41D0-AAC0-9BF4FEBC753E}" type="datetimeFigureOut">
               <a:rPr lang="es-ES" smtClean="0"/>
               <a:pPr/>
-              <a:t>15/10/2013</a:t>
+              <a:t>17/10/2013</a:t>
             </a:fld>
             <a:endParaRPr lang="es-ES"/>
           </a:p>
@@ -2900,7 +2900,7 @@
             <a:fld id="{7A847CFC-816F-41D0-AAC0-9BF4FEBC753E}" type="datetimeFigureOut">
               <a:rPr lang="es-ES" smtClean="0"/>
               <a:pPr/>
-              <a:t>15/10/2013</a:t>
+              <a:t>17/10/2013</a:t>
             </a:fld>
             <a:endParaRPr lang="es-ES"/>
           </a:p>
@@ -3683,7 +3683,7 @@
             <a:fld id="{7A847CFC-816F-41D0-AAC0-9BF4FEBC753E}" type="datetimeFigureOut">
               <a:rPr lang="es-ES" smtClean="0"/>
               <a:pPr/>
-              <a:t>15/10/2013</a:t>
+              <a:t>17/10/2013</a:t>
             </a:fld>
             <a:endParaRPr lang="es-ES"/>
           </a:p>
@@ -5801,8 +5801,8 @@
         </p:nvSpPr>
         <p:spPr>
           <a:xfrm>
-            <a:off x="1043608" y="1276305"/>
-            <a:ext cx="8100392" cy="2800767"/>
+            <a:off x="1043608" y="1124744"/>
+            <a:ext cx="8100392" cy="5724644"/>
           </a:xfrm>
           <a:prstGeom prst="rect">
             <a:avLst/>
@@ -5816,73 +5816,221 @@
           <a:lstStyle/>
           <a:p>
             <a:pPr>
+              <a:lnSpc>
+                <a:spcPct val="150000"/>
+              </a:lnSpc>
               <a:buFont typeface="Arial" pitchFamily="34" charset="0"/>
               <a:buChar char="•"/>
             </a:pPr>
             <a:r>
               <a:rPr lang="es-ES" sz="2000" i="1" dirty="0" smtClean="0"/>
-              <a:t> Aspectos Generales del Sistema</a:t>
-            </a:r>
+              <a:t> Aspectos </a:t>
+            </a:r>
+            <a:r>
+              <a:rPr lang="es-ES" sz="2000" i="1" dirty="0" smtClean="0"/>
+              <a:t>generales </a:t>
+            </a:r>
+            <a:r>
+              <a:rPr lang="es-ES" sz="2000" i="1" dirty="0" smtClean="0"/>
+              <a:t>del </a:t>
+            </a:r>
+            <a:r>
+              <a:rPr lang="es-ES" sz="2000" i="1" dirty="0" smtClean="0"/>
+              <a:t>sistema</a:t>
+            </a:r>
+            <a:endParaRPr lang="es-ES" sz="2000" i="1" dirty="0" smtClean="0"/>
           </a:p>
           <a:p>
             <a:pPr>
+              <a:lnSpc>
+                <a:spcPct val="150000"/>
+              </a:lnSpc>
               <a:buFont typeface="Arial" pitchFamily="34" charset="0"/>
               <a:buChar char="•"/>
             </a:pPr>
             <a:r>
               <a:rPr lang="es-ES" sz="2000" i="1" dirty="0" smtClean="0"/>
-              <a:t> Nuevo Empleado</a:t>
-            </a:r>
+              <a:t> Nuevo </a:t>
+            </a:r>
+            <a:r>
+              <a:rPr lang="es-ES" sz="2000" i="1" dirty="0" smtClean="0"/>
+              <a:t>empleado</a:t>
+            </a:r>
+            <a:endParaRPr lang="es-ES" sz="2000" i="1" dirty="0" smtClean="0"/>
           </a:p>
           <a:p>
             <a:pPr>
+              <a:lnSpc>
+                <a:spcPct val="150000"/>
+              </a:lnSpc>
               <a:buFont typeface="Arial" pitchFamily="34" charset="0"/>
               <a:buChar char="•"/>
             </a:pPr>
             <a:r>
               <a:rPr lang="es-ES" sz="2000" i="1" dirty="0" smtClean="0"/>
-              <a:t> Actualizar Información Empleado</a:t>
-            </a:r>
+              <a:t> Actualizar </a:t>
+            </a:r>
+            <a:r>
+              <a:rPr lang="es-ES" sz="2000" i="1" dirty="0" smtClean="0"/>
+              <a:t>información empleado</a:t>
+            </a:r>
+            <a:endParaRPr lang="es-ES" sz="2000" i="1" dirty="0" smtClean="0"/>
           </a:p>
           <a:p>
             <a:pPr>
+              <a:lnSpc>
+                <a:spcPct val="150000"/>
+              </a:lnSpc>
               <a:buFont typeface="Arial" pitchFamily="34" charset="0"/>
               <a:buChar char="•"/>
             </a:pPr>
             <a:r>
               <a:rPr lang="es-ES" sz="2000" i="1" dirty="0" smtClean="0"/>
-              <a:t> Buscar Empleados</a:t>
-            </a:r>
+              <a:t> Buscar </a:t>
+            </a:r>
+            <a:r>
+              <a:rPr lang="es-ES" sz="2000" i="1" dirty="0" smtClean="0"/>
+              <a:t>empleados</a:t>
+            </a:r>
+            <a:endParaRPr lang="es-ES" sz="2000" i="1" dirty="0" smtClean="0"/>
           </a:p>
           <a:p>
             <a:pPr>
+              <a:lnSpc>
+                <a:spcPct val="150000"/>
+              </a:lnSpc>
               <a:buFont typeface="Arial" pitchFamily="34" charset="0"/>
               <a:buChar char="•"/>
             </a:pPr>
             <a:r>
               <a:rPr lang="es-ES" sz="2000" i="1" dirty="0" smtClean="0"/>
-              <a:t> Dar de Baja Empleado</a:t>
-            </a:r>
+              <a:t> Dar de </a:t>
+            </a:r>
+            <a:r>
+              <a:rPr lang="es-ES" sz="2000" i="1" dirty="0" smtClean="0"/>
+              <a:t>baja empleado</a:t>
+            </a:r>
+            <a:endParaRPr lang="es-ES" sz="2000" i="1" dirty="0" smtClean="0"/>
           </a:p>
           <a:p>
             <a:pPr>
+              <a:lnSpc>
+                <a:spcPct val="150000"/>
+              </a:lnSpc>
               <a:buFont typeface="Arial" pitchFamily="34" charset="0"/>
               <a:buChar char="•"/>
             </a:pPr>
             <a:r>
               <a:rPr lang="es-ES" sz="2000" i="1" dirty="0" smtClean="0"/>
-              <a:t> Ingresar Cantidad de Insumo Provisto por Proveedor</a:t>
+              <a:t> Ingresar </a:t>
+            </a:r>
+            <a:r>
+              <a:rPr lang="es-ES" sz="2000" i="1" dirty="0" smtClean="0"/>
+              <a:t>cantidad </a:t>
+            </a:r>
+            <a:r>
+              <a:rPr lang="es-ES" sz="2000" i="1" dirty="0" smtClean="0"/>
+              <a:t>de </a:t>
+            </a:r>
+            <a:r>
+              <a:rPr lang="es-ES" sz="2000" i="1" dirty="0" smtClean="0"/>
+              <a:t>insumo provisto </a:t>
+            </a:r>
+            <a:r>
+              <a:rPr lang="es-ES" sz="2000" i="1" dirty="0" smtClean="0"/>
+              <a:t>por </a:t>
+            </a:r>
+            <a:r>
+              <a:rPr lang="es-ES" sz="2000" i="1" dirty="0" smtClean="0"/>
+              <a:t>proveedor</a:t>
             </a:r>
           </a:p>
           <a:p>
             <a:pPr>
+              <a:lnSpc>
+                <a:spcPct val="150000"/>
+              </a:lnSpc>
               <a:buFont typeface="Arial" pitchFamily="34" charset="0"/>
               <a:buChar char="•"/>
             </a:pPr>
             <a:r>
               <a:rPr lang="es-ES" sz="2000" i="1" dirty="0" smtClean="0"/>
-              <a:t> Impresión Reportes</a:t>
-            </a:r>
+              <a:t> Nuevo lote</a:t>
+            </a:r>
+          </a:p>
+          <a:p>
+            <a:pPr>
+              <a:lnSpc>
+                <a:spcPct val="150000"/>
+              </a:lnSpc>
+              <a:buFont typeface="Arial" pitchFamily="34" charset="0"/>
+              <a:buChar char="•"/>
+            </a:pPr>
+            <a:r>
+              <a:rPr lang="es-ES" sz="2000" i="1" dirty="0" smtClean="0"/>
+              <a:t> Actualizar información de lote</a:t>
+            </a:r>
+          </a:p>
+          <a:p>
+            <a:pPr>
+              <a:lnSpc>
+                <a:spcPct val="150000"/>
+              </a:lnSpc>
+              <a:buFont typeface="Arial" pitchFamily="34" charset="0"/>
+              <a:buChar char="•"/>
+            </a:pPr>
+            <a:r>
+              <a:rPr lang="es-ES" sz="2000" i="1" dirty="0" smtClean="0"/>
+              <a:t> </a:t>
+            </a:r>
+            <a:r>
+              <a:rPr lang="es-ES" sz="2000" i="1" dirty="0" smtClean="0"/>
+              <a:t>Ingresar cantidad de </a:t>
+            </a:r>
+            <a:r>
+              <a:rPr lang="es-ES" sz="2000" i="1" dirty="0" smtClean="0"/>
+              <a:t>i</a:t>
+            </a:r>
+            <a:r>
+              <a:rPr lang="es-ES" sz="2000" i="1" dirty="0" smtClean="0"/>
+              <a:t>nsumo utilizada por lote</a:t>
+            </a:r>
+          </a:p>
+          <a:p>
+            <a:pPr>
+              <a:lnSpc>
+                <a:spcPct val="150000"/>
+              </a:lnSpc>
+              <a:buFont typeface="Arial" pitchFamily="34" charset="0"/>
+              <a:buChar char="•"/>
+            </a:pPr>
+            <a:r>
+              <a:rPr lang="es-ES" sz="2000" i="1" dirty="0" smtClean="0"/>
+              <a:t> </a:t>
+            </a:r>
+            <a:r>
+              <a:rPr lang="es-ES" sz="2000" i="1" dirty="0" smtClean="0"/>
+              <a:t>Ver insumos utilizados por lote</a:t>
+            </a:r>
+            <a:endParaRPr lang="es-ES" sz="2000" i="1" dirty="0" smtClean="0"/>
+          </a:p>
+          <a:p>
+            <a:pPr>
+              <a:lnSpc>
+                <a:spcPct val="150000"/>
+              </a:lnSpc>
+              <a:buFont typeface="Arial" pitchFamily="34" charset="0"/>
+              <a:buChar char="•"/>
+            </a:pPr>
+            <a:r>
+              <a:rPr lang="es-ES" sz="2000" i="1" dirty="0" smtClean="0"/>
+              <a:t> Impresión </a:t>
+            </a:r>
+            <a:r>
+              <a:rPr lang="es-ES" sz="2000" i="1" dirty="0" smtClean="0"/>
+              <a:t>reportes</a:t>
+            </a:r>
+            <a:endParaRPr lang="es-ES" sz="2000" i="1" dirty="0" smtClean="0"/>
           </a:p>
           <a:p>
             <a:endParaRPr lang="es-ES" dirty="0" smtClean="0"/>
